--- a/pptx_engine/templates/bull-bear/three-col-equation-dark.pptx
+++ b/pptx_engine/templates/bull-bear/three-col-equation-dark.pptx
@@ -3088,40 +3088,16 @@
         <p:nvPr/>
       </p:nvGrpSpPr>
       <p:grpSpPr/>
-      <p:pic>
-        <p:nvPicPr>
-          <p:cNvPr id="2" name="Picture 1" descr="slide_08.png"/>
-          <p:cNvPicPr>
-            <a:picLocks noChangeAspect="1"/>
-          </p:cNvPicPr>
+      <p:sp>
+        <p:nvSpPr>
+          <p:cNvPr id="2" name="TextBox 1"/>
+          <p:cNvSpPr txBox="1"/>
           <p:nvPr/>
-        </p:nvPicPr>
-        <p:blipFill>
-          <a:blip r:embed="rId2"/>
-          <a:stretch>
-            <a:fillRect/>
-          </a:stretch>
-        </p:blipFill>
+        </p:nvSpPr>
         <p:spPr>
           <a:xfrm>
-            <a:off x="0" y="0"/>
-            <a:ext cx="24384030" cy="13716000"/>
-          </a:xfrm>
-          <a:prstGeom prst="rect">
-            <a:avLst/>
-          </a:prstGeom>
-        </p:spPr>
-      </p:pic>
-      <p:sp>
-        <p:nvSpPr>
-          <p:cNvPr id="3" name="breadcrumb"/>
-          <p:cNvSpPr txBox="1"/>
-          <p:nvPr/>
-        </p:nvSpPr>
-        <p:spPr>
-          <a:xfrm>
-            <a:off x="320040" y="164592"/>
-            <a:ext cx="2743200" cy="292608"/>
+            <a:off x="16776862" y="8410102"/>
+            <a:ext cx="3327410" cy="1904969"/>
           </a:xfrm>
           <a:prstGeom prst="rect">
             <a:avLst/>
@@ -3134,29 +3110,41 @@
           </a:bodyPr>
           <a:lstStyle/>
           <a:p>
-            <a:pPr algn="l"/>
-            <a:r>
-              <a:rPr sz="1100" b="0">
+            <a:pPr algn="ctr"/>
+            <a:r>
+              <a:rPr sz="2600" b="0" i="0">
                 <a:solidFill>
                   <a:srgbClr val="FFFFFF"/>
                 </a:solidFill>
-                <a:latin typeface="Rajdhani"/>
+                <a:latin typeface="Quicksand (TT)"/>
               </a:rPr>
-              <a:t>{{breadcrumb}}</a:t>
-            </a:r>
-          </a:p>
-        </p:txBody>
-      </p:sp>
-      <p:sp>
-        <p:nvSpPr>
-          <p:cNvPr id="4" name="slide_title"/>
+              <a:t>Composite trading result. </a:t>
+            </a:r>
+          </a:p>
+          <a:p>
+            <a:pPr algn="ctr"/>
+            <a:r>
+              <a:rPr sz="2600" b="0" i="0">
+                <a:solidFill>
+                  <a:srgbClr val="FFFFFF"/>
+                </a:solidFill>
+                <a:latin typeface="Quicksand (TT)"/>
+              </a:rPr>
+              <a:t>Should we be invested?</a:t>
+            </a:r>
+          </a:p>
+        </p:txBody>
+      </p:sp>
+      <p:sp>
+        <p:nvSpPr>
+          <p:cNvPr id="3" name="TextBox 2"/>
           <p:cNvSpPr txBox="1"/>
           <p:nvPr/>
         </p:nvSpPr>
         <p:spPr>
           <a:xfrm>
-            <a:off x="457200" y="457200"/>
-            <a:ext cx="11247120" cy="1097280"/>
+            <a:off x="17105315" y="6354988"/>
+            <a:ext cx="2670413" cy="381030"/>
           </a:xfrm>
           <a:prstGeom prst="rect">
             <a:avLst/>
@@ -3171,27 +3159,113 @@
           <a:p>
             <a:pPr algn="ctr"/>
             <a:r>
-              <a:rPr sz="3600" b="1">
+              <a:rPr sz="3000" b="0" i="0">
                 <a:solidFill>
-                  <a:srgbClr val="FFFFFF"/>
+                  <a:srgbClr val="212121"/>
                 </a:solidFill>
-                <a:latin typeface="Rajdhani"/>
+                <a:latin typeface="Quicksand (TT)"/>
               </a:rPr>
-              <a:t>{{slide_title}}</a:t>
-            </a:r>
-          </a:p>
-        </p:txBody>
-      </p:sp>
-      <p:sp>
-        <p:nvSpPr>
-          <p:cNvPr id="5" name="col1_header"/>
+              <a:t>Composites</a:t>
+            </a:r>
+          </a:p>
+        </p:txBody>
+      </p:sp>
+      <p:sp>
+        <p:nvSpPr>
+          <p:cNvPr id="4" name="Rounded Rectangle 3"/>
+          <p:cNvSpPr/>
+          <p:nvPr/>
+        </p:nvSpPr>
+        <p:spPr>
+          <a:xfrm>
+            <a:off x="16524762" y="6120170"/>
+            <a:ext cx="3831427" cy="922538"/>
+          </a:xfrm>
+          <a:prstGeom prst="roundRect">
+            <a:avLst/>
+          </a:prstGeom>
+          <a:solidFill>
+            <a:srgbClr val="FEC00F"/>
+          </a:solidFill>
+          <a:ln>
+            <a:noFill/>
+          </a:ln>
+        </p:spPr>
+        <p:style>
+          <a:lnRef idx="1">
+            <a:schemeClr val="accent1"/>
+          </a:lnRef>
+          <a:fillRef idx="3">
+            <a:schemeClr val="accent1"/>
+          </a:fillRef>
+          <a:effectRef idx="2">
+            <a:schemeClr val="accent1"/>
+          </a:effectRef>
+          <a:fontRef idx="minor">
+            <a:schemeClr val="lt1"/>
+          </a:fontRef>
+        </p:style>
+        <p:txBody>
+          <a:bodyPr rtlCol="0" anchor="ctr"/>
+          <a:lstStyle/>
+          <a:p>
+            <a:pPr algn="ctr"/>
+          </a:p>
+        </p:txBody>
+      </p:sp>
+      <p:sp>
+        <p:nvSpPr>
+          <p:cNvPr id="5" name="Rounded Rectangle 4"/>
+          <p:cNvSpPr/>
+          <p:nvPr/>
+        </p:nvSpPr>
+        <p:spPr>
+          <a:xfrm>
+            <a:off x="16499159" y="7590342"/>
+            <a:ext cx="3882725" cy="3544397"/>
+          </a:xfrm>
+          <a:prstGeom prst="roundRect">
+            <a:avLst/>
+          </a:prstGeom>
+          <a:solidFill>
+            <a:srgbClr val="FEC00F"/>
+          </a:solidFill>
+          <a:ln>
+            <a:noFill/>
+          </a:ln>
+        </p:spPr>
+        <p:style>
+          <a:lnRef idx="1">
+            <a:schemeClr val="accent1"/>
+          </a:lnRef>
+          <a:fillRef idx="3">
+            <a:schemeClr val="accent1"/>
+          </a:fillRef>
+          <a:effectRef idx="2">
+            <a:schemeClr val="accent1"/>
+          </a:effectRef>
+          <a:fontRef idx="minor">
+            <a:schemeClr val="lt1"/>
+          </a:fontRef>
+        </p:style>
+        <p:txBody>
+          <a:bodyPr rtlCol="0" anchor="ctr"/>
+          <a:lstStyle/>
+          <a:p>
+            <a:pPr algn="ctr"/>
+          </a:p>
+        </p:txBody>
+      </p:sp>
+      <p:sp>
+        <p:nvSpPr>
+          <p:cNvPr id="6" name="TextBox 5"/>
           <p:cNvSpPr txBox="1"/>
           <p:nvPr/>
         </p:nvSpPr>
         <p:spPr>
           <a:xfrm>
-            <a:off x="411480" y="1828800"/>
-            <a:ext cx="3108960" cy="347472"/>
+            <a:off x="10525201" y="8410102"/>
+            <a:ext cx="3327410" cy="1904969"/>
           </a:xfrm>
           <a:prstGeom prst="rect">
             <a:avLst/>
@@ -3206,27 +3280,27 @@
           <a:p>
             <a:pPr algn="ctr"/>
             <a:r>
-              <a:rPr sz="1400" b="1">
+              <a:rPr sz="2600" b="0" i="0">
                 <a:solidFill>
-                  <a:srgbClr val="212121"/>
+                  <a:srgbClr val="FFFFFF"/>
                 </a:solidFill>
-                <a:latin typeface="Quicksand"/>
+                <a:latin typeface="Quicksand (TT)"/>
               </a:rPr>
-              <a:t>{{col1_header}}</a:t>
-            </a:r>
-          </a:p>
-        </p:txBody>
-      </p:sp>
-      <p:sp>
-        <p:nvSpPr>
-          <p:cNvPr id="6" name="col1_body"/>
+              <a:t>Capture short-term market inefficiencies that generate high returns while invested.</a:t>
+            </a:r>
+          </a:p>
+        </p:txBody>
+      </p:sp>
+      <p:sp>
+        <p:nvSpPr>
+          <p:cNvPr id="7" name="TextBox 6"/>
           <p:cNvSpPr txBox="1"/>
           <p:nvPr/>
         </p:nvSpPr>
         <p:spPr>
           <a:xfrm>
-            <a:off x="411480" y="2331720"/>
-            <a:ext cx="3108960" cy="1920240"/>
+            <a:off x="10717499" y="6354988"/>
+            <a:ext cx="2942813" cy="381030"/>
           </a:xfrm>
           <a:prstGeom prst="rect">
             <a:avLst/>
@@ -3241,27 +3315,113 @@
           <a:p>
             <a:pPr algn="ctr"/>
             <a:r>
-              <a:rPr sz="1300" b="0">
+              <a:rPr sz="3000" b="0" i="0">
                 <a:solidFill>
-                  <a:srgbClr val="FFFFFF"/>
+                  <a:srgbClr val="212121"/>
                 </a:solidFill>
-                <a:latin typeface="Quicksand"/>
+                <a:latin typeface="Quicksand (TT)"/>
               </a:rPr>
-              <a:t>{{col1_body}}</a:t>
-            </a:r>
-          </a:p>
-        </p:txBody>
-      </p:sp>
-      <p:sp>
-        <p:nvSpPr>
-          <p:cNvPr id="7" name="col2_header"/>
+              <a:t>Trigger Systems</a:t>
+            </a:r>
+          </a:p>
+        </p:txBody>
+      </p:sp>
+      <p:sp>
+        <p:nvSpPr>
+          <p:cNvPr id="8" name="Rounded Rectangle 7"/>
+          <p:cNvSpPr/>
+          <p:nvPr/>
+        </p:nvSpPr>
+        <p:spPr>
+          <a:xfrm>
+            <a:off x="10273192" y="6120170"/>
+            <a:ext cx="3831427" cy="922538"/>
+          </a:xfrm>
+          <a:prstGeom prst="roundRect">
+            <a:avLst/>
+          </a:prstGeom>
+          <a:solidFill>
+            <a:srgbClr val="FEC00F"/>
+          </a:solidFill>
+          <a:ln>
+            <a:noFill/>
+          </a:ln>
+        </p:spPr>
+        <p:style>
+          <a:lnRef idx="1">
+            <a:schemeClr val="accent1"/>
+          </a:lnRef>
+          <a:fillRef idx="3">
+            <a:schemeClr val="accent1"/>
+          </a:fillRef>
+          <a:effectRef idx="2">
+            <a:schemeClr val="accent1"/>
+          </a:effectRef>
+          <a:fontRef idx="minor">
+            <a:schemeClr val="lt1"/>
+          </a:fontRef>
+        </p:style>
+        <p:txBody>
+          <a:bodyPr rtlCol="0" anchor="ctr"/>
+          <a:lstStyle/>
+          <a:p>
+            <a:pPr algn="ctr"/>
+          </a:p>
+        </p:txBody>
+      </p:sp>
+      <p:sp>
+        <p:nvSpPr>
+          <p:cNvPr id="9" name="Rounded Rectangle 8"/>
+          <p:cNvSpPr/>
+          <p:nvPr/>
+        </p:nvSpPr>
+        <p:spPr>
+          <a:xfrm>
+            <a:off x="10247497" y="7590342"/>
+            <a:ext cx="3882725" cy="3544397"/>
+          </a:xfrm>
+          <a:prstGeom prst="roundRect">
+            <a:avLst/>
+          </a:prstGeom>
+          <a:solidFill>
+            <a:srgbClr val="FEC00F"/>
+          </a:solidFill>
+          <a:ln>
+            <a:noFill/>
+          </a:ln>
+        </p:spPr>
+        <p:style>
+          <a:lnRef idx="1">
+            <a:schemeClr val="accent1"/>
+          </a:lnRef>
+          <a:fillRef idx="3">
+            <a:schemeClr val="accent1"/>
+          </a:fillRef>
+          <a:effectRef idx="2">
+            <a:schemeClr val="accent1"/>
+          </a:effectRef>
+          <a:fontRef idx="minor">
+            <a:schemeClr val="lt1"/>
+          </a:fontRef>
+        </p:style>
+        <p:txBody>
+          <a:bodyPr rtlCol="0" anchor="ctr"/>
+          <a:lstStyle/>
+          <a:p>
+            <a:pPr algn="ctr"/>
+          </a:p>
+        </p:txBody>
+      </p:sp>
+      <p:sp>
+        <p:nvSpPr>
+          <p:cNvPr id="10" name="TextBox 9"/>
           <p:cNvSpPr txBox="1"/>
           <p:nvPr/>
         </p:nvSpPr>
         <p:spPr>
           <a:xfrm>
-            <a:off x="4343400" y="1828800"/>
-            <a:ext cx="3108960" cy="347472"/>
+            <a:off x="4279757" y="8410102"/>
+            <a:ext cx="3327410" cy="1904969"/>
           </a:xfrm>
           <a:prstGeom prst="rect">
             <a:avLst/>
@@ -3276,27 +3436,27 @@
           <a:p>
             <a:pPr algn="ctr"/>
             <a:r>
-              <a:rPr sz="1400" b="1">
+              <a:rPr sz="2600" b="0" i="0">
                 <a:solidFill>
-                  <a:srgbClr val="212121"/>
+                  <a:srgbClr val="FFFFFF"/>
                 </a:solidFill>
-                <a:latin typeface="Quicksand"/>
+                <a:latin typeface="Quicksand (TT)"/>
               </a:rPr>
-              <a:t>{{col2_header}}</a:t>
-            </a:r>
-          </a:p>
-        </p:txBody>
-      </p:sp>
-      <p:sp>
-        <p:nvSpPr>
-          <p:cNvPr id="8" name="col2_body"/>
+              <a:t>Total market systems that trade infrequently to capture long term trend changes.</a:t>
+            </a:r>
+          </a:p>
+        </p:txBody>
+      </p:sp>
+      <p:sp>
+        <p:nvSpPr>
+          <p:cNvPr id="11" name="TextBox 10"/>
           <p:cNvSpPr txBox="1"/>
           <p:nvPr/>
         </p:nvSpPr>
         <p:spPr>
           <a:xfrm>
-            <a:off x="4343400" y="2331720"/>
-            <a:ext cx="3108960" cy="1920240"/>
+            <a:off x="4608301" y="6354988"/>
+            <a:ext cx="2670413" cy="381030"/>
           </a:xfrm>
           <a:prstGeom prst="rect">
             <a:avLst/>
@@ -3311,27 +3471,113 @@
           <a:p>
             <a:pPr algn="ctr"/>
             <a:r>
-              <a:rPr sz="1300" b="0">
+              <a:rPr sz="3000" b="0" i="0">
                 <a:solidFill>
-                  <a:srgbClr val="FFFFFF"/>
+                  <a:srgbClr val="212121"/>
                 </a:solidFill>
-                <a:latin typeface="Quicksand"/>
+                <a:latin typeface="Quicksand (TT)"/>
               </a:rPr>
-              <a:t>{{col2_body}}</a:t>
-            </a:r>
-          </a:p>
-        </p:txBody>
-      </p:sp>
-      <p:sp>
-        <p:nvSpPr>
-          <p:cNvPr id="9" name="col3_header"/>
+              <a:t>Base Systems</a:t>
+            </a:r>
+          </a:p>
+        </p:txBody>
+      </p:sp>
+      <p:sp>
+        <p:nvSpPr>
+          <p:cNvPr id="12" name="Rounded Rectangle 11"/>
+          <p:cNvSpPr/>
+          <p:nvPr/>
+        </p:nvSpPr>
+        <p:spPr>
+          <a:xfrm>
+            <a:off x="4027749" y="6120170"/>
+            <a:ext cx="3831427" cy="922538"/>
+          </a:xfrm>
+          <a:prstGeom prst="roundRect">
+            <a:avLst/>
+          </a:prstGeom>
+          <a:solidFill>
+            <a:srgbClr val="FEC00F"/>
+          </a:solidFill>
+          <a:ln>
+            <a:noFill/>
+          </a:ln>
+        </p:spPr>
+        <p:style>
+          <a:lnRef idx="1">
+            <a:schemeClr val="accent1"/>
+          </a:lnRef>
+          <a:fillRef idx="3">
+            <a:schemeClr val="accent1"/>
+          </a:fillRef>
+          <a:effectRef idx="2">
+            <a:schemeClr val="accent1"/>
+          </a:effectRef>
+          <a:fontRef idx="minor">
+            <a:schemeClr val="lt1"/>
+          </a:fontRef>
+        </p:style>
+        <p:txBody>
+          <a:bodyPr rtlCol="0" anchor="ctr"/>
+          <a:lstStyle/>
+          <a:p>
+            <a:pPr algn="ctr"/>
+          </a:p>
+        </p:txBody>
+      </p:sp>
+      <p:sp>
+        <p:nvSpPr>
+          <p:cNvPr id="13" name="Rounded Rectangle 12"/>
+          <p:cNvSpPr/>
+          <p:nvPr/>
+        </p:nvSpPr>
+        <p:spPr>
+          <a:xfrm>
+            <a:off x="4002145" y="7590342"/>
+            <a:ext cx="3882725" cy="3544397"/>
+          </a:xfrm>
+          <a:prstGeom prst="roundRect">
+            <a:avLst/>
+          </a:prstGeom>
+          <a:solidFill>
+            <a:srgbClr val="FEC00F"/>
+          </a:solidFill>
+          <a:ln>
+            <a:noFill/>
+          </a:ln>
+        </p:spPr>
+        <p:style>
+          <a:lnRef idx="1">
+            <a:schemeClr val="accent1"/>
+          </a:lnRef>
+          <a:fillRef idx="3">
+            <a:schemeClr val="accent1"/>
+          </a:fillRef>
+          <a:effectRef idx="2">
+            <a:schemeClr val="accent1"/>
+          </a:effectRef>
+          <a:fontRef idx="minor">
+            <a:schemeClr val="lt1"/>
+          </a:fontRef>
+        </p:style>
+        <p:txBody>
+          <a:bodyPr rtlCol="0" anchor="ctr"/>
+          <a:lstStyle/>
+          <a:p>
+            <a:pPr algn="ctr"/>
+          </a:p>
+        </p:txBody>
+      </p:sp>
+      <p:sp>
+        <p:nvSpPr>
+          <p:cNvPr id="14" name="TextBox 13"/>
           <p:cNvSpPr txBox="1"/>
           <p:nvPr/>
         </p:nvSpPr>
         <p:spPr>
           <a:xfrm>
-            <a:off x="8275320" y="1828800"/>
-            <a:ext cx="3108960" cy="347472"/>
+            <a:off x="15073792" y="8949232"/>
+            <a:ext cx="481797" cy="826800"/>
           </a:xfrm>
           <a:prstGeom prst="rect">
             <a:avLst/>
@@ -3346,27 +3592,27 @@
           <a:p>
             <a:pPr algn="ctr"/>
             <a:r>
-              <a:rPr sz="1400" b="1">
+              <a:rPr sz="7000" b="0" i="0">
                 <a:solidFill>
-                  <a:srgbClr val="212121"/>
+                  <a:srgbClr val="FFCB0A"/>
                 </a:solidFill>
-                <a:latin typeface="Quicksand"/>
+                <a:latin typeface="Rajdhani"/>
               </a:rPr>
-              <a:t>{{col3_header}}</a:t>
-            </a:r>
-          </a:p>
-        </p:txBody>
-      </p:sp>
-      <p:sp>
-        <p:nvSpPr>
-          <p:cNvPr id="10" name="col3_body"/>
+              <a:t>=</a:t>
+            </a:r>
+          </a:p>
+        </p:txBody>
+      </p:sp>
+      <p:sp>
+        <p:nvSpPr>
+          <p:cNvPr id="15" name="TextBox 14"/>
           <p:cNvSpPr txBox="1"/>
           <p:nvPr/>
         </p:nvSpPr>
         <p:spPr>
           <a:xfrm>
-            <a:off x="8275320" y="2331720"/>
-            <a:ext cx="3108960" cy="1920240"/>
+            <a:off x="8828349" y="8949232"/>
+            <a:ext cx="475579" cy="826800"/>
           </a:xfrm>
           <a:prstGeom prst="rect">
             <a:avLst/>
@@ -3381,13 +3627,83 @@
           <a:p>
             <a:pPr algn="ctr"/>
             <a:r>
-              <a:rPr sz="1300" b="0">
+              <a:rPr sz="7000" b="0" i="0">
+                <a:solidFill>
+                  <a:srgbClr val="FFCB0A"/>
+                </a:solidFill>
+                <a:latin typeface="Rajdhani"/>
+              </a:rPr>
+              <a:t>+</a:t>
+            </a:r>
+          </a:p>
+        </p:txBody>
+      </p:sp>
+      <p:sp>
+        <p:nvSpPr>
+          <p:cNvPr id="16" name="TextBox 15"/>
+          <p:cNvSpPr txBox="1"/>
+          <p:nvPr/>
+        </p:nvSpPr>
+        <p:spPr>
+          <a:xfrm>
+            <a:off x="1066830" y="1143000"/>
+            <a:ext cx="5333969" cy="559155"/>
+          </a:xfrm>
+          <a:prstGeom prst="rect">
+            <a:avLst/>
+          </a:prstGeom>
+          <a:noFill/>
+        </p:spPr>
+        <p:txBody>
+          <a:bodyPr wrap="square">
+            <a:spAutoFit/>
+          </a:bodyPr>
+          <a:lstStyle/>
+          <a:p>
+            <a:pPr algn="l"/>
+            <a:r>
+              <a:rPr sz="3600" b="0" i="0">
                 <a:solidFill>
                   <a:srgbClr val="FFFFFF"/>
                 </a:solidFill>
-                <a:latin typeface="Quicksand"/>
+                <a:latin typeface="Rajdhani"/>
               </a:rPr>
-              <a:t>{{col3_body}}</a:t>
+              <a:t>process</a:t>
+            </a:r>
+          </a:p>
+        </p:txBody>
+      </p:sp>
+      <p:sp>
+        <p:nvSpPr>
+          <p:cNvPr id="17" name="TextBox 16"/>
+          <p:cNvSpPr txBox="1"/>
+          <p:nvPr/>
+        </p:nvSpPr>
+        <p:spPr>
+          <a:xfrm>
+            <a:off x="3853921" y="2475463"/>
+            <a:ext cx="16676187" cy="1623060"/>
+          </a:xfrm>
+          <a:prstGeom prst="rect">
+            <a:avLst/>
+          </a:prstGeom>
+          <a:noFill/>
+        </p:spPr>
+        <p:txBody>
+          <a:bodyPr wrap="square">
+            <a:spAutoFit/>
+          </a:bodyPr>
+          <a:lstStyle/>
+          <a:p>
+            <a:pPr algn="ctr"/>
+            <a:r>
+              <a:rPr sz="6000" b="0" i="0">
+                <a:solidFill>
+                  <a:srgbClr val="FFFFFF"/>
+                </a:solidFill>
+                <a:latin typeface="Rajdhani"/>
+              </a:rPr>
+              <a:t>Our Composites are Designed to Highlight times of Risk-On and Risk-Off Behavior</a:t>
             </a:r>
           </a:p>
         </p:txBody>
